--- a/InsumosAgropecuarios.pptx
+++ b/InsumosAgropecuarios.pptx
@@ -3369,7 +3369,7 @@
         <p:spPr>
           <a:xfrm>
             <a:off x="611560" y="1556792"/>
-            <a:ext cx="7992888" cy="1569660"/>
+            <a:ext cx="3888432" cy="4893647"/>
           </a:xfrm>
           <a:prstGeom prst="rect">
             <a:avLst/>
@@ -3382,22 +3382,57 @@
           </a:bodyPr>
           <a:lstStyle/>
           <a:p>
-            <a:pPr algn="ctr"/>
+            <a:pPr marL="342900" indent="-342900">
+              <a:buFont typeface="Arial"/>
+              <a:buChar char="•"/>
+            </a:pPr>
             <a:r>
               <a:rPr lang="es-MX" sz="2400" b="1" dirty="0" smtClean="0"/>
-              <a:t>Falta informaci</a:t>
+              <a:t>Falta información para decidir el lugar de compra de los </a:t>
             </a:r>
             <a:r>
               <a:rPr lang="es-MX" sz="2400" b="1" dirty="0" smtClean="0"/>
-              <a:t>ón para decidir el lugar de compra de los insumos</a:t>
+              <a:t>insumos.</a:t>
+            </a:r>
+          </a:p>
+          <a:p>
+            <a:pPr marL="342900" indent="-342900">
+              <a:buFont typeface="Arial"/>
+              <a:buChar char="•"/>
+            </a:pPr>
+            <a:r>
+              <a:rPr lang="es-MX" sz="2400" b="1" dirty="0"/>
+              <a:t>D</a:t>
             </a:r>
             <a:r>
               <a:rPr lang="es-MX" sz="2400" b="1" dirty="0" smtClean="0"/>
-              <a:t>, desconocimiento de las tarifas dadas por el ministerio y promediadas por los usuarios a nivel nacional y poca relaci</a:t>
+              <a:t>esconocimiento </a:t>
             </a:r>
             <a:r>
               <a:rPr lang="es-MX" sz="2400" b="1" dirty="0" smtClean="0"/>
-              <a:t>ón cliente </a:t>
+              <a:t>de las tarifas dadas por el ministerio y promediadas por los usuarios a nivel </a:t>
+            </a:r>
+            <a:r>
+              <a:rPr lang="es-MX" sz="2400" b="1" dirty="0" smtClean="0"/>
+              <a:t>nacional.</a:t>
+            </a:r>
+          </a:p>
+          <a:p>
+            <a:pPr marL="342900" indent="-342900">
+              <a:buFont typeface="Arial"/>
+              <a:buChar char="•"/>
+            </a:pPr>
+            <a:r>
+              <a:rPr lang="es-MX" sz="2400" b="1" dirty="0"/>
+              <a:t>P</a:t>
+            </a:r>
+            <a:r>
+              <a:rPr lang="es-MX" sz="2400" b="1" dirty="0" smtClean="0"/>
+              <a:t>oca </a:t>
+            </a:r>
+            <a:r>
+              <a:rPr lang="es-MX" sz="2400" b="1" dirty="0" smtClean="0"/>
+              <a:t>relación cliente </a:t>
             </a:r>
             <a:r>
               <a:rPr lang="en-US" sz="2400" b="1" dirty="0" smtClean="0"/>
@@ -3405,12 +3440,70 @@
             </a:r>
             <a:r>
               <a:rPr lang="es-MX" sz="2400" b="1" dirty="0" smtClean="0"/>
-              <a:t> vendedor.</a:t>
+              <a:t> vendedor</a:t>
+            </a:r>
+            <a:r>
+              <a:rPr lang="es-MX" sz="2400" b="1" dirty="0" smtClean="0"/>
+              <a:t>.</a:t>
+            </a:r>
+          </a:p>
+          <a:p>
+            <a:pPr marL="342900" indent="-342900">
+              <a:buFont typeface="Arial"/>
+              <a:buChar char="•"/>
+            </a:pPr>
+            <a:r>
+              <a:rPr lang="en-US" sz="2400" b="1" dirty="0" smtClean="0"/>
+              <a:t>D</a:t>
+            </a:r>
+            <a:r>
+              <a:rPr lang="es-MX" sz="2400" b="1" dirty="0" smtClean="0"/>
+              <a:t>esconocimiento de las noticias del sector agropecuario.</a:t>
             </a:r>
             <a:endParaRPr lang="es-CO" sz="2400" b="1" dirty="0"/>
           </a:p>
         </p:txBody>
       </p:sp>
+      <p:pic>
+        <p:nvPicPr>
+          <p:cNvPr id="4" name="Picture 3" descr="plaguicidas.jpg"/>
+          <p:cNvPicPr>
+            <a:picLocks noChangeAspect="1"/>
+          </p:cNvPicPr>
+          <p:nvPr/>
+        </p:nvPicPr>
+        <p:blipFill>
+          <a:blip r:embed="rId2" cstate="print">
+            <a:extLst>
+              <a:ext uri="{28A0092B-C50C-407E-A947-70E740481C1C}">
+                <a14:useLocalDpi xmlns:a14="http://schemas.microsoft.com/office/drawing/2010/main" val="0"/>
+              </a:ext>
+            </a:extLst>
+          </a:blip>
+          <a:stretch>
+            <a:fillRect/>
+          </a:stretch>
+        </p:blipFill>
+        <p:spPr>
+          <a:xfrm>
+            <a:off x="4642833" y="2564904"/>
+            <a:ext cx="4189556" cy="2808312"/>
+          </a:xfrm>
+          <a:prstGeom prst="rect">
+            <a:avLst/>
+          </a:prstGeom>
+          <a:ln>
+            <a:noFill/>
+          </a:ln>
+          <a:effectLst>
+            <a:outerShdw blurRad="292100" dist="139700" dir="2700000" algn="tl" rotWithShape="0">
+              <a:srgbClr val="333333">
+                <a:alpha val="65000"/>
+              </a:srgbClr>
+            </a:outerShdw>
+          </a:effectLst>
+        </p:spPr>
+      </p:pic>
     </p:spTree>
     <p:extLst>
       <p:ext uri="{BB962C8B-B14F-4D97-AF65-F5344CB8AC3E}">
@@ -3472,8 +3565,8 @@
         </p:nvSpPr>
         <p:spPr>
           <a:xfrm>
-            <a:off x="755576" y="1455167"/>
-            <a:ext cx="7632848" cy="1200328"/>
+            <a:off x="539552" y="1484784"/>
+            <a:ext cx="4104456" cy="4893647"/>
           </a:xfrm>
           <a:prstGeom prst="rect">
             <a:avLst/>
@@ -3486,19 +3579,137 @@
           </a:bodyPr>
           <a:lstStyle/>
           <a:p>
-            <a:pPr algn="ctr"/>
+            <a:pPr marL="342900" indent="-342900">
+              <a:buFont typeface="Arial"/>
+              <a:buChar char="•"/>
+            </a:pPr>
             <a:r>
               <a:rPr lang="es-MX" sz="2400" b="1" dirty="0" smtClean="0"/>
-              <a:t>Informaci</a:t>
+              <a:t>Información de primera </a:t>
             </a:r>
             <a:r>
               <a:rPr lang="es-MX" sz="2400" b="1" dirty="0" smtClean="0"/>
-              <a:t>ón de primera mano, reportes hechos por usuarios para usuarios, ubicación geográfica y red de vendedores.</a:t>
+              <a:t>mano.</a:t>
+            </a:r>
+          </a:p>
+          <a:p>
+            <a:pPr marL="342900" indent="-342900">
+              <a:buFont typeface="Arial"/>
+              <a:buChar char="•"/>
+            </a:pPr>
+            <a:r>
+              <a:rPr lang="es-MX" sz="2400" b="1" dirty="0" smtClean="0"/>
+              <a:t>Incentivar la participaci</a:t>
+            </a:r>
+            <a:r>
+              <a:rPr lang="es-MX" sz="2400" b="1" dirty="0" smtClean="0"/>
+              <a:t>ón ciudadana frente a las variaciones de precios.</a:t>
+            </a:r>
+            <a:endParaRPr lang="es-MX" sz="2400" b="1" dirty="0" smtClean="0"/>
+          </a:p>
+          <a:p>
+            <a:pPr marL="342900" indent="-342900">
+              <a:buFont typeface="Arial"/>
+              <a:buChar char="•"/>
+            </a:pPr>
+            <a:r>
+              <a:rPr lang="es-MX" sz="2400" b="1" dirty="0"/>
+              <a:t>R</a:t>
+            </a:r>
+            <a:r>
+              <a:rPr lang="es-MX" sz="2400" b="1" dirty="0" smtClean="0"/>
+              <a:t>eportes </a:t>
+            </a:r>
+            <a:r>
+              <a:rPr lang="es-MX" sz="2400" b="1" dirty="0" smtClean="0"/>
+              <a:t>hechos por usuarios para </a:t>
+            </a:r>
+            <a:r>
+              <a:rPr lang="es-MX" sz="2400" b="1" dirty="0" smtClean="0"/>
+              <a:t>usuarios.</a:t>
+            </a:r>
+          </a:p>
+          <a:p>
+            <a:pPr marL="342900" indent="-342900">
+              <a:buFont typeface="Arial"/>
+              <a:buChar char="•"/>
+            </a:pPr>
+            <a:r>
+              <a:rPr lang="es-MX" sz="2400" b="1" dirty="0"/>
+              <a:t>U</a:t>
+            </a:r>
+            <a:r>
+              <a:rPr lang="es-MX" sz="2400" b="1" dirty="0" smtClean="0"/>
+              <a:t>bicación geográfica de los puntos de venta.</a:t>
+            </a:r>
+          </a:p>
+          <a:p>
+            <a:pPr marL="342900" indent="-342900">
+              <a:buFont typeface="Arial"/>
+              <a:buChar char="•"/>
+            </a:pPr>
+            <a:r>
+              <a:rPr lang="es-MX" sz="2400" b="1" dirty="0" smtClean="0"/>
+              <a:t>Red de vendedores a nivel nacional.</a:t>
+            </a:r>
+          </a:p>
+          <a:p>
+            <a:pPr marL="342900" indent="-342900">
+              <a:buFont typeface="Arial"/>
+              <a:buChar char="•"/>
+            </a:pPr>
+            <a:r>
+              <a:rPr lang="es-MX" sz="2400" b="1" dirty="0" smtClean="0"/>
+              <a:t>Consejos pr</a:t>
+            </a:r>
+            <a:r>
+              <a:rPr lang="es-MX" sz="2400" b="1" dirty="0" smtClean="0"/>
+              <a:t>ácticos y noticias de interés.</a:t>
             </a:r>
             <a:endParaRPr lang="es-CO" sz="2400" b="1" dirty="0"/>
           </a:p>
         </p:txBody>
       </p:sp>
+      <p:pic>
+        <p:nvPicPr>
+          <p:cNvPr id="5" name="Picture 4" descr="Screenshot_2014-06-01-07-23-38.png"/>
+          <p:cNvPicPr>
+            <a:picLocks noChangeAspect="1"/>
+          </p:cNvPicPr>
+          <p:nvPr/>
+        </p:nvPicPr>
+        <p:blipFill>
+          <a:blip r:embed="rId2">
+            <a:extLst>
+              <a:ext uri="{28A0092B-C50C-407E-A947-70E740481C1C}">
+                <a14:useLocalDpi xmlns:a14="http://schemas.microsoft.com/office/drawing/2010/main" val="0"/>
+              </a:ext>
+            </a:extLst>
+          </a:blip>
+          <a:stretch>
+            <a:fillRect/>
+          </a:stretch>
+        </p:blipFill>
+        <p:spPr>
+          <a:xfrm>
+            <a:off x="5436096" y="1340768"/>
+            <a:ext cx="3180725" cy="5301208"/>
+          </a:xfrm>
+          <a:prstGeom prst="rect">
+            <a:avLst/>
+          </a:prstGeom>
+          <a:ln>
+            <a:noFill/>
+          </a:ln>
+          <a:effectLst>
+            <a:outerShdw blurRad="292100" dist="139700" dir="2700000" algn="tl" rotWithShape="0">
+              <a:srgbClr val="333333">
+                <a:alpha val="65000"/>
+              </a:srgbClr>
+            </a:outerShdw>
+          </a:effectLst>
+        </p:spPr>
+      </p:pic>
     </p:spTree>
     <p:extLst>
       <p:ext uri="{BB962C8B-B14F-4D97-AF65-F5344CB8AC3E}">
@@ -3776,11 +3987,7 @@
           <a:p>
             <a:r>
               <a:rPr lang="es-MX" dirty="0" smtClean="0"/>
-              <a:t>Comparaci</a:t>
-            </a:r>
-            <a:r>
-              <a:rPr lang="es-MX" dirty="0" smtClean="0"/>
-              <a:t>ón de precios </a:t>
+              <a:t>Comparación de precios </a:t>
             </a:r>
             <a:r>
               <a:rPr lang="en-US" dirty="0" smtClean="0"/>
@@ -4123,11 +4330,7 @@
           <a:p>
             <a:r>
               <a:rPr lang="es-MX" dirty="0" smtClean="0"/>
-              <a:t>Consejos pr</a:t>
-            </a:r>
-            <a:r>
-              <a:rPr lang="es-MX" dirty="0" smtClean="0"/>
-              <a:t>ácticos </a:t>
+              <a:t>Consejos prácticos </a:t>
             </a:r>
             <a:r>
               <a:rPr lang="en-US" dirty="0" smtClean="0"/>

--- a/InsumosAgropecuarios.pptx
+++ b/InsumosAgropecuarios.pptx
@@ -4041,6 +4041,46 @@
           </a:effectLst>
         </p:spPr>
       </p:pic>
+      <p:pic>
+        <p:nvPicPr>
+          <p:cNvPr id="4" name="Picture 3" descr="Screenshot_2014-06-01-11-08-47.png"/>
+          <p:cNvPicPr>
+            <a:picLocks noChangeAspect="1"/>
+          </p:cNvPicPr>
+          <p:nvPr/>
+        </p:nvPicPr>
+        <p:blipFill>
+          <a:blip r:embed="rId3">
+            <a:extLst>
+              <a:ext uri="{28A0092B-C50C-407E-A947-70E740481C1C}">
+                <a14:useLocalDpi xmlns:a14="http://schemas.microsoft.com/office/drawing/2010/main" val="0"/>
+              </a:ext>
+            </a:extLst>
+          </a:blip>
+          <a:stretch>
+            <a:fillRect/>
+          </a:stretch>
+        </p:blipFill>
+        <p:spPr>
+          <a:xfrm>
+            <a:off x="5508104" y="1772816"/>
+            <a:ext cx="2851517" cy="4752528"/>
+          </a:xfrm>
+          <a:prstGeom prst="rect">
+            <a:avLst/>
+          </a:prstGeom>
+          <a:ln>
+            <a:noFill/>
+          </a:ln>
+          <a:effectLst>
+            <a:outerShdw blurRad="292100" dist="139700" dir="2700000" algn="tl" rotWithShape="0">
+              <a:srgbClr val="333333">
+                <a:alpha val="65000"/>
+              </a:srgbClr>
+            </a:outerShdw>
+          </a:effectLst>
+        </p:spPr>
+      </p:pic>
     </p:spTree>
     <p:extLst>
       <p:ext uri="{BB962C8B-B14F-4D97-AF65-F5344CB8AC3E}">
@@ -4071,9 +4111,174 @@
           <a:chExt cx="0" cy="0"/>
         </a:xfrm>
       </p:grpSpPr>
+      <p:sp>
+        <p:nvSpPr>
+          <p:cNvPr id="5" name="1 Título"/>
+          <p:cNvSpPr txBox="1">
+            <a:spLocks/>
+          </p:cNvSpPr>
+          <p:nvPr/>
+        </p:nvSpPr>
+        <p:spPr>
+          <a:xfrm>
+            <a:off x="609600" y="427038"/>
+            <a:ext cx="8229600" cy="1143000"/>
+          </a:xfrm>
+          <a:prstGeom prst="rect">
+            <a:avLst/>
+          </a:prstGeom>
+        </p:spPr>
+        <p:txBody>
+          <a:bodyPr vert="horz" lIns="91440" tIns="45720" rIns="91440" bIns="45720" rtlCol="0" anchor="ctr">
+            <a:normAutofit fontScale="90000"/>
+          </a:bodyPr>
+          <a:lstStyle>
+            <a:lvl1pPr algn="ctr" defTabSz="914400" rtl="0" eaLnBrk="1" latinLnBrk="0" hangingPunct="1">
+              <a:spcBef>
+                <a:spcPct val="0"/>
+              </a:spcBef>
+              <a:buNone/>
+              <a:defRPr sz="4400" kern="1200">
+                <a:solidFill>
+                  <a:schemeClr val="tx1"/>
+                </a:solidFill>
+                <a:latin typeface="+mj-lt"/>
+                <a:ea typeface="+mj-ea"/>
+                <a:cs typeface="+mj-cs"/>
+              </a:defRPr>
+            </a:lvl1pPr>
+          </a:lstStyle>
+          <a:p>
+            <a:r>
+              <a:rPr lang="es-MX" smtClean="0"/>
+              <a:t>Puntos de venta, ubicación geográfica</a:t>
+            </a:r>
+            <a:endParaRPr lang="es-CO" dirty="0"/>
+          </a:p>
+        </p:txBody>
+      </p:sp>
+      <p:sp>
+        <p:nvSpPr>
+          <p:cNvPr id="4" name="TextBox 3"/>
+          <p:cNvSpPr txBox="1"/>
+          <p:nvPr/>
+        </p:nvSpPr>
+        <p:spPr>
+          <a:xfrm>
+            <a:off x="4427984" y="2276872"/>
+            <a:ext cx="4571999" cy="1938992"/>
+          </a:xfrm>
+          <a:prstGeom prst="rect">
+            <a:avLst/>
+          </a:prstGeom>
+          <a:noFill/>
+        </p:spPr>
+        <p:txBody>
+          <a:bodyPr wrap="square" rtlCol="0">
+            <a:spAutoFit/>
+          </a:bodyPr>
+          <a:lstStyle/>
+          <a:p>
+            <a:pPr marL="285750" indent="-285750">
+              <a:buFont typeface="Arial"/>
+              <a:buChar char="•"/>
+            </a:pPr>
+            <a:r>
+              <a:rPr lang="es-MX" sz="2800" dirty="0"/>
+              <a:t>Visualizar reportes realizados por otros usuarios.</a:t>
+            </a:r>
+            <a:r>
+              <a:rPr lang="es-MX" dirty="0"/>
+              <a:t/>
+            </a:r>
+            <a:br>
+              <a:rPr lang="es-MX" dirty="0"/>
+            </a:br>
+            <a:r>
+              <a:rPr lang="es-MX" dirty="0"/>
+              <a:t/>
+            </a:r>
+            <a:br>
+              <a:rPr lang="es-MX" dirty="0"/>
+            </a:br>
+            <a:endParaRPr lang="en-US" dirty="0"/>
+          </a:p>
+        </p:txBody>
+      </p:sp>
+      <p:sp>
+        <p:nvSpPr>
+          <p:cNvPr id="7" name="TextBox 6"/>
+          <p:cNvSpPr txBox="1"/>
+          <p:nvPr/>
+        </p:nvSpPr>
+        <p:spPr>
+          <a:xfrm>
+            <a:off x="4427984" y="3717032"/>
+            <a:ext cx="3518912" cy="800219"/>
+          </a:xfrm>
+          <a:prstGeom prst="rect">
+            <a:avLst/>
+          </a:prstGeom>
+          <a:noFill/>
+        </p:spPr>
+        <p:txBody>
+          <a:bodyPr wrap="none" rtlCol="0">
+            <a:spAutoFit/>
+          </a:bodyPr>
+          <a:lstStyle/>
+          <a:p>
+            <a:pPr marL="285750" indent="-285750">
+              <a:buFont typeface="Arial"/>
+              <a:buChar char="•"/>
+            </a:pPr>
+            <a:r>
+              <a:rPr lang="es-MX" sz="2800" dirty="0"/>
+              <a:t>Calificar al vendedor.</a:t>
+            </a:r>
+            <a:endParaRPr lang="en-US" sz="2800" dirty="0"/>
+          </a:p>
+          <a:p>
+            <a:endParaRPr lang="en-US" dirty="0"/>
+          </a:p>
+        </p:txBody>
+      </p:sp>
+      <p:sp>
+        <p:nvSpPr>
+          <p:cNvPr id="9" name="TextBox 8"/>
+          <p:cNvSpPr txBox="1"/>
+          <p:nvPr/>
+        </p:nvSpPr>
+        <p:spPr>
+          <a:xfrm>
+            <a:off x="4427984" y="1628800"/>
+            <a:ext cx="4571999" cy="523220"/>
+          </a:xfrm>
+          <a:prstGeom prst="rect">
+            <a:avLst/>
+          </a:prstGeom>
+          <a:noFill/>
+        </p:spPr>
+        <p:txBody>
+          <a:bodyPr wrap="square" rtlCol="0">
+            <a:spAutoFit/>
+          </a:bodyPr>
+          <a:lstStyle/>
+          <a:p>
+            <a:pPr marL="285750" indent="-285750">
+              <a:buFont typeface="Arial"/>
+              <a:buChar char="•"/>
+            </a:pPr>
+            <a:r>
+              <a:rPr lang="es-MX" sz="2800" dirty="0" smtClean="0"/>
+              <a:t>Consultar puntos de venta.</a:t>
+            </a:r>
+            <a:endParaRPr lang="en-US" dirty="0"/>
+          </a:p>
+        </p:txBody>
+      </p:sp>
       <p:pic>
         <p:nvPicPr>
-          <p:cNvPr id="6" name="Picture 5" descr="Screenshot_2014-06-01-07-26-51.png"/>
+          <p:cNvPr id="2" name="Picture 1" descr="Screenshot_2014-06-01-11-09-12.png"/>
           <p:cNvPicPr>
             <a:picLocks noChangeAspect="1"/>
           </p:cNvPicPr>
@@ -4093,8 +4298,8 @@
         </p:blipFill>
         <p:spPr>
           <a:xfrm>
-            <a:off x="1043608" y="1556792"/>
-            <a:ext cx="2909123" cy="4848539"/>
+            <a:off x="899592" y="1556792"/>
+            <a:ext cx="3024336" cy="5040560"/>
           </a:xfrm>
           <a:prstGeom prst="rect">
             <a:avLst/>
@@ -4111,171 +4316,6 @@
           </a:effectLst>
         </p:spPr>
       </p:pic>
-      <p:sp>
-        <p:nvSpPr>
-          <p:cNvPr id="5" name="1 Título"/>
-          <p:cNvSpPr txBox="1">
-            <a:spLocks/>
-          </p:cNvSpPr>
-          <p:nvPr/>
-        </p:nvSpPr>
-        <p:spPr>
-          <a:xfrm>
-            <a:off x="609600" y="427038"/>
-            <a:ext cx="8229600" cy="1143000"/>
-          </a:xfrm>
-          <a:prstGeom prst="rect">
-            <a:avLst/>
-          </a:prstGeom>
-        </p:spPr>
-        <p:txBody>
-          <a:bodyPr vert="horz" lIns="91440" tIns="45720" rIns="91440" bIns="45720" rtlCol="0" anchor="ctr">
-            <a:normAutofit fontScale="90000"/>
-          </a:bodyPr>
-          <a:lstStyle>
-            <a:lvl1pPr algn="ctr" defTabSz="914400" rtl="0" eaLnBrk="1" latinLnBrk="0" hangingPunct="1">
-              <a:spcBef>
-                <a:spcPct val="0"/>
-              </a:spcBef>
-              <a:buNone/>
-              <a:defRPr sz="4400" kern="1200">
-                <a:solidFill>
-                  <a:schemeClr val="tx1"/>
-                </a:solidFill>
-                <a:latin typeface="+mj-lt"/>
-                <a:ea typeface="+mj-ea"/>
-                <a:cs typeface="+mj-cs"/>
-              </a:defRPr>
-            </a:lvl1pPr>
-          </a:lstStyle>
-          <a:p>
-            <a:r>
-              <a:rPr lang="es-MX" smtClean="0"/>
-              <a:t>Puntos de venta, ubicación geográfica</a:t>
-            </a:r>
-            <a:endParaRPr lang="es-CO" dirty="0"/>
-          </a:p>
-        </p:txBody>
-      </p:sp>
-      <p:sp>
-        <p:nvSpPr>
-          <p:cNvPr id="4" name="TextBox 3"/>
-          <p:cNvSpPr txBox="1"/>
-          <p:nvPr/>
-        </p:nvSpPr>
-        <p:spPr>
-          <a:xfrm>
-            <a:off x="4427984" y="2276872"/>
-            <a:ext cx="4571999" cy="1938992"/>
-          </a:xfrm>
-          <a:prstGeom prst="rect">
-            <a:avLst/>
-          </a:prstGeom>
-          <a:noFill/>
-        </p:spPr>
-        <p:txBody>
-          <a:bodyPr wrap="square" rtlCol="0">
-            <a:spAutoFit/>
-          </a:bodyPr>
-          <a:lstStyle/>
-          <a:p>
-            <a:pPr marL="285750" indent="-285750">
-              <a:buFont typeface="Arial"/>
-              <a:buChar char="•"/>
-            </a:pPr>
-            <a:r>
-              <a:rPr lang="es-MX" sz="2800" dirty="0"/>
-              <a:t>Visualizar reportes realizados por otros usuarios.</a:t>
-            </a:r>
-            <a:r>
-              <a:rPr lang="es-MX" dirty="0"/>
-              <a:t/>
-            </a:r>
-            <a:br>
-              <a:rPr lang="es-MX" dirty="0"/>
-            </a:br>
-            <a:r>
-              <a:rPr lang="es-MX" dirty="0"/>
-              <a:t/>
-            </a:r>
-            <a:br>
-              <a:rPr lang="es-MX" dirty="0"/>
-            </a:br>
-            <a:endParaRPr lang="en-US" dirty="0"/>
-          </a:p>
-        </p:txBody>
-      </p:sp>
-      <p:sp>
-        <p:nvSpPr>
-          <p:cNvPr id="7" name="TextBox 6"/>
-          <p:cNvSpPr txBox="1"/>
-          <p:nvPr/>
-        </p:nvSpPr>
-        <p:spPr>
-          <a:xfrm>
-            <a:off x="4427984" y="3717032"/>
-            <a:ext cx="3518912" cy="800219"/>
-          </a:xfrm>
-          <a:prstGeom prst="rect">
-            <a:avLst/>
-          </a:prstGeom>
-          <a:noFill/>
-        </p:spPr>
-        <p:txBody>
-          <a:bodyPr wrap="none" rtlCol="0">
-            <a:spAutoFit/>
-          </a:bodyPr>
-          <a:lstStyle/>
-          <a:p>
-            <a:pPr marL="285750" indent="-285750">
-              <a:buFont typeface="Arial"/>
-              <a:buChar char="•"/>
-            </a:pPr>
-            <a:r>
-              <a:rPr lang="es-MX" sz="2800" dirty="0"/>
-              <a:t>Calificar al vendedor.</a:t>
-            </a:r>
-            <a:endParaRPr lang="en-US" sz="2800" dirty="0"/>
-          </a:p>
-          <a:p>
-            <a:endParaRPr lang="en-US" dirty="0"/>
-          </a:p>
-        </p:txBody>
-      </p:sp>
-      <p:sp>
-        <p:nvSpPr>
-          <p:cNvPr id="9" name="TextBox 8"/>
-          <p:cNvSpPr txBox="1"/>
-          <p:nvPr/>
-        </p:nvSpPr>
-        <p:spPr>
-          <a:xfrm>
-            <a:off x="4427984" y="1628800"/>
-            <a:ext cx="4571999" cy="523220"/>
-          </a:xfrm>
-          <a:prstGeom prst="rect">
-            <a:avLst/>
-          </a:prstGeom>
-          <a:noFill/>
-        </p:spPr>
-        <p:txBody>
-          <a:bodyPr wrap="square" rtlCol="0">
-            <a:spAutoFit/>
-          </a:bodyPr>
-          <a:lstStyle/>
-          <a:p>
-            <a:pPr marL="285750" indent="-285750">
-              <a:buFont typeface="Arial"/>
-              <a:buChar char="•"/>
-            </a:pPr>
-            <a:r>
-              <a:rPr lang="es-MX" sz="2800" dirty="0" smtClean="0"/>
-              <a:t>Consultar puntos de venta.</a:t>
-            </a:r>
-            <a:endParaRPr lang="en-US" dirty="0"/>
-          </a:p>
-        </p:txBody>
-      </p:sp>
     </p:spTree>
     <p:extLst>
       <p:ext uri="{BB962C8B-B14F-4D97-AF65-F5344CB8AC3E}">

--- a/InsumosAgropecuarios.pptx
+++ b/InsumosAgropecuarios.pptx
@@ -3369,7 +3369,7 @@
         <p:spPr>
           <a:xfrm>
             <a:off x="611560" y="1556792"/>
-            <a:ext cx="3888432" cy="4893647"/>
+            <a:ext cx="3888432" cy="4832093"/>
           </a:xfrm>
           <a:prstGeom prst="rect">
             <a:avLst/>
@@ -3387,12 +3387,12 @@
               <a:buChar char="•"/>
             </a:pPr>
             <a:r>
-              <a:rPr lang="es-MX" sz="2400" b="1" dirty="0" smtClean="0"/>
-              <a:t>Falta información para decidir el lugar de compra de los </a:t>
-            </a:r>
-            <a:r>
-              <a:rPr lang="es-MX" sz="2400" b="1" dirty="0" smtClean="0"/>
-              <a:t>insumos.</a:t>
+              <a:rPr lang="en-US" sz="2800" b="1" dirty="0" smtClean="0"/>
+              <a:t>A</a:t>
+            </a:r>
+            <a:r>
+              <a:rPr lang="es-MX" sz="2800" b="1" dirty="0" smtClean="0"/>
+              <a:t>ltos precios.</a:t>
             </a:r>
           </a:p>
           <a:p>
@@ -3400,22 +3400,7 @@
               <a:buFont typeface="Arial"/>
               <a:buChar char="•"/>
             </a:pPr>
-            <a:r>
-              <a:rPr lang="es-MX" sz="2400" b="1" dirty="0"/>
-              <a:t>D</a:t>
-            </a:r>
-            <a:r>
-              <a:rPr lang="es-MX" sz="2400" b="1" dirty="0" smtClean="0"/>
-              <a:t>esconocimiento </a:t>
-            </a:r>
-            <a:r>
-              <a:rPr lang="es-MX" sz="2400" b="1" dirty="0" smtClean="0"/>
-              <a:t>de las tarifas dadas por el ministerio y promediadas por los usuarios a nivel </a:t>
-            </a:r>
-            <a:r>
-              <a:rPr lang="es-MX" sz="2400" b="1" dirty="0" smtClean="0"/>
-              <a:t>nacional.</a:t>
-            </a:r>
+            <a:endParaRPr lang="es-MX" sz="2800" b="1" dirty="0" smtClean="0"/>
           </a:p>
           <a:p>
             <a:pPr marL="342900" indent="-342900">
@@ -3423,29 +3408,12 @@
               <a:buChar char="•"/>
             </a:pPr>
             <a:r>
-              <a:rPr lang="es-MX" sz="2400" b="1" dirty="0"/>
-              <a:t>P</a:t>
-            </a:r>
-            <a:r>
-              <a:rPr lang="es-MX" sz="2400" b="1" dirty="0" smtClean="0"/>
-              <a:t>oca </a:t>
-            </a:r>
-            <a:r>
-              <a:rPr lang="es-MX" sz="2400" b="1" dirty="0" smtClean="0"/>
-              <a:t>relación cliente </a:t>
-            </a:r>
-            <a:r>
-              <a:rPr lang="en-US" sz="2400" b="1" dirty="0" smtClean="0"/>
-              <a:t>–</a:t>
-            </a:r>
-            <a:r>
-              <a:rPr lang="es-MX" sz="2400" b="1" dirty="0" smtClean="0"/>
-              <a:t> vendedor</a:t>
-            </a:r>
-            <a:r>
-              <a:rPr lang="es-MX" sz="2400" b="1" dirty="0" smtClean="0"/>
-              <a:t>.</a:t>
-            </a:r>
+              <a:rPr lang="es-MX" sz="2800" b="1" dirty="0"/>
+              <a:t>Desconocimiento de las tarifas.</a:t>
+            </a:r>
+          </a:p>
+          <a:p>
+            <a:endParaRPr lang="es-MX" sz="2800" b="1" dirty="0" smtClean="0"/>
           </a:p>
           <a:p>
             <a:pPr marL="342900" indent="-342900">
@@ -3453,14 +3421,56 @@
               <a:buChar char="•"/>
             </a:pPr>
             <a:r>
-              <a:rPr lang="en-US" sz="2400" b="1" dirty="0" smtClean="0"/>
-              <a:t>D</a:t>
-            </a:r>
-            <a:r>
-              <a:rPr lang="es-MX" sz="2400" b="1" dirty="0" smtClean="0"/>
-              <a:t>esconocimiento de las noticias del sector agropecuario.</a:t>
-            </a:r>
-            <a:endParaRPr lang="es-CO" sz="2400" b="1" dirty="0"/>
+              <a:rPr lang="es-MX" sz="2800" b="1" dirty="0" smtClean="0"/>
+              <a:t>Falta información.</a:t>
+            </a:r>
+          </a:p>
+          <a:p>
+            <a:pPr marL="342900" indent="-342900">
+              <a:buFont typeface="Arial"/>
+              <a:buChar char="•"/>
+            </a:pPr>
+            <a:endParaRPr lang="es-MX" sz="2800" b="1" dirty="0" smtClean="0"/>
+          </a:p>
+          <a:p>
+            <a:pPr marL="342900" indent="-342900">
+              <a:buFont typeface="Arial"/>
+              <a:buChar char="•"/>
+            </a:pPr>
+            <a:endParaRPr lang="es-MX" sz="2800" b="1" dirty="0" smtClean="0"/>
+          </a:p>
+          <a:p>
+            <a:pPr marL="342900" indent="-342900">
+              <a:buFont typeface="Arial"/>
+              <a:buChar char="•"/>
+            </a:pPr>
+            <a:r>
+              <a:rPr lang="es-MX" sz="2800" b="1" dirty="0"/>
+              <a:t>P</a:t>
+            </a:r>
+            <a:r>
+              <a:rPr lang="es-MX" sz="2800" b="1" dirty="0" smtClean="0"/>
+              <a:t>oca relación cliente </a:t>
+            </a:r>
+            <a:r>
+              <a:rPr lang="en-US" sz="2800" b="1" dirty="0" smtClean="0"/>
+              <a:t>–</a:t>
+            </a:r>
+            <a:r>
+              <a:rPr lang="es-MX" sz="2800" b="1" dirty="0" smtClean="0"/>
+              <a:t> vendedor</a:t>
+            </a:r>
+            <a:r>
+              <a:rPr lang="es-MX" sz="2800" b="1" dirty="0" smtClean="0"/>
+              <a:t>.</a:t>
+            </a:r>
+          </a:p>
+          <a:p>
+            <a:pPr marL="342900" indent="-342900">
+              <a:buFont typeface="Arial"/>
+              <a:buChar char="•"/>
+            </a:pPr>
+            <a:endParaRPr lang="es-MX" sz="2800" b="1" dirty="0" smtClean="0"/>
           </a:p>
         </p:txBody>
       </p:sp>
@@ -3544,7 +3554,12 @@
             <p:ph type="title"/>
           </p:nvPr>
         </p:nvSpPr>
-        <p:spPr/>
+        <p:spPr>
+          <a:xfrm>
+            <a:off x="457200" y="-27384"/>
+            <a:ext cx="8229600" cy="1143000"/>
+          </a:xfrm>
+        </p:spPr>
         <p:txBody>
           <a:bodyPr/>
           <a:lstStyle/>
@@ -3565,8 +3580,8 @@
         </p:nvSpPr>
         <p:spPr>
           <a:xfrm>
-            <a:off x="539552" y="1484784"/>
-            <a:ext cx="4104456" cy="4893647"/>
+            <a:off x="539552" y="1424965"/>
+            <a:ext cx="4104456" cy="4524315"/>
           </a:xfrm>
           <a:prstGeom prst="rect">
             <a:avLst/>
@@ -3585,11 +3600,11 @@
             </a:pPr>
             <a:r>
               <a:rPr lang="es-MX" sz="2400" b="1" dirty="0" smtClean="0"/>
-              <a:t>Información de primera </a:t>
+              <a:t>Información de primera mano</a:t>
             </a:r>
             <a:r>
               <a:rPr lang="es-MX" sz="2400" b="1" dirty="0" smtClean="0"/>
-              <a:t>mano.</a:t>
+              <a:t>.</a:t>
             </a:r>
           </a:p>
           <a:p>
@@ -3597,14 +3612,6 @@
               <a:buFont typeface="Arial"/>
               <a:buChar char="•"/>
             </a:pPr>
-            <a:r>
-              <a:rPr lang="es-MX" sz="2400" b="1" dirty="0" smtClean="0"/>
-              <a:t>Incentivar la participaci</a:t>
-            </a:r>
-            <a:r>
-              <a:rPr lang="es-MX" sz="2400" b="1" dirty="0" smtClean="0"/>
-              <a:t>ón ciudadana frente a las variaciones de precios.</a:t>
-            </a:r>
             <a:endParaRPr lang="es-MX" sz="2400" b="1" dirty="0" smtClean="0"/>
           </a:p>
           <a:p>
@@ -3613,20 +3620,16 @@
               <a:buChar char="•"/>
             </a:pPr>
             <a:r>
-              <a:rPr lang="es-MX" sz="2400" b="1" dirty="0"/>
-              <a:t>R</a:t>
-            </a:r>
-            <a:r>
               <a:rPr lang="es-MX" sz="2400" b="1" dirty="0" smtClean="0"/>
-              <a:t>eportes </a:t>
+              <a:t>Participaci</a:t>
             </a:r>
             <a:r>
               <a:rPr lang="es-MX" sz="2400" b="1" dirty="0" smtClean="0"/>
-              <a:t>hechos por usuarios para </a:t>
+              <a:t>ón ciudadana</a:t>
             </a:r>
             <a:r>
               <a:rPr lang="es-MX" sz="2400" b="1" dirty="0" smtClean="0"/>
-              <a:t>usuarios.</a:t>
+              <a:t>.</a:t>
             </a:r>
           </a:p>
           <a:p>
@@ -3634,14 +3637,7 @@
               <a:buFont typeface="Arial"/>
               <a:buChar char="•"/>
             </a:pPr>
-            <a:r>
-              <a:rPr lang="es-MX" sz="2400" b="1" dirty="0"/>
-              <a:t>U</a:t>
-            </a:r>
-            <a:r>
-              <a:rPr lang="es-MX" sz="2400" b="1" dirty="0" smtClean="0"/>
-              <a:t>bicación geográfica de los puntos de venta.</a:t>
-            </a:r>
+            <a:endParaRPr lang="es-MX" sz="2400" b="1" dirty="0" smtClean="0"/>
           </a:p>
           <a:p>
             <a:pPr marL="342900" indent="-342900">
@@ -3650,7 +3646,11 @@
             </a:pPr>
             <a:r>
               <a:rPr lang="es-MX" sz="2400" b="1" dirty="0" smtClean="0"/>
-              <a:t>Red de vendedores a nivel nacional.</a:t>
+              <a:t>GEOREFERENCIACI</a:t>
+            </a:r>
+            <a:r>
+              <a:rPr lang="es-MX" sz="2400" b="1" dirty="0" smtClean="0"/>
+              <a:t>ÓN.</a:t>
             </a:r>
           </a:p>
           <a:p>
@@ -3658,13 +3658,54 @@
               <a:buFont typeface="Arial"/>
               <a:buChar char="•"/>
             </a:pPr>
+            <a:endParaRPr lang="es-MX" sz="2400" b="1" dirty="0" smtClean="0"/>
+          </a:p>
+          <a:p>
+            <a:pPr marL="342900" indent="-342900">
+              <a:buFont typeface="Arial"/>
+              <a:buChar char="•"/>
+            </a:pPr>
             <a:r>
               <a:rPr lang="es-MX" sz="2400" b="1" dirty="0" smtClean="0"/>
-              <a:t>Consejos pr</a:t>
-            </a:r>
+              <a:t>REGISTRO DE VENDEDORES.</a:t>
+            </a:r>
+          </a:p>
+          <a:p>
+            <a:pPr marL="342900" indent="-342900">
+              <a:buFont typeface="Arial"/>
+              <a:buChar char="•"/>
+            </a:pPr>
+            <a:endParaRPr lang="es-MX" sz="2400" b="1" dirty="0" smtClean="0"/>
+          </a:p>
+          <a:p>
+            <a:pPr marL="342900" indent="-342900">
+              <a:buFont typeface="Arial"/>
+              <a:buChar char="•"/>
+            </a:pPr>
             <a:r>
               <a:rPr lang="es-MX" sz="2400" b="1" dirty="0" smtClean="0"/>
-              <a:t>ácticos y noticias de interés.</a:t>
+              <a:t>CONSEJOS PRÁCTICOS.</a:t>
+            </a:r>
+          </a:p>
+          <a:p>
+            <a:pPr marL="342900" indent="-342900">
+              <a:buFont typeface="Arial"/>
+              <a:buChar char="•"/>
+            </a:pPr>
+            <a:endParaRPr lang="es-MX" sz="2400" b="1" dirty="0" smtClean="0"/>
+          </a:p>
+          <a:p>
+            <a:pPr marL="342900" indent="-342900">
+              <a:buFont typeface="Arial"/>
+              <a:buChar char="•"/>
+            </a:pPr>
+            <a:r>
+              <a:rPr lang="es-MX" sz="2400" b="1" dirty="0" smtClean="0"/>
+              <a:t>N</a:t>
+            </a:r>
+            <a:r>
+              <a:rPr lang="es-MX" sz="2400" b="1" dirty="0" smtClean="0"/>
+              <a:t>OTICIAS DE INTERÉS.</a:t>
             </a:r>
             <a:endParaRPr lang="es-CO" sz="2400" b="1" dirty="0"/>
           </a:p>

--- a/InsumosAgropecuarios.pptx
+++ b/InsumosAgropecuarios.pptx
@@ -3458,11 +3458,7 @@
             </a:r>
             <a:r>
               <a:rPr lang="es-MX" sz="2800" b="1" dirty="0" smtClean="0"/>
-              <a:t> vendedor</a:t>
-            </a:r>
-            <a:r>
-              <a:rPr lang="es-MX" sz="2800" b="1" dirty="0" smtClean="0"/>
-              <a:t>.</a:t>
+              <a:t> vendedor.</a:t>
             </a:r>
           </a:p>
           <a:p>
@@ -3581,7 +3577,7 @@
         <p:spPr>
           <a:xfrm>
             <a:off x="539552" y="1424965"/>
-            <a:ext cx="4104456" cy="4524315"/>
+            <a:ext cx="4104456" cy="4893647"/>
           </a:xfrm>
           <a:prstGeom prst="rect">
             <a:avLst/>
@@ -3600,11 +3596,7 @@
             </a:pPr>
             <a:r>
               <a:rPr lang="es-MX" sz="2400" b="1" dirty="0" smtClean="0"/>
-              <a:t>Información de primera mano</a:t>
-            </a:r>
-            <a:r>
-              <a:rPr lang="es-MX" sz="2400" b="1" dirty="0" smtClean="0"/>
-              <a:t>.</a:t>
+              <a:t>Información de primera mano.</a:t>
             </a:r>
           </a:p>
           <a:p>
@@ -3621,16 +3613,13 @@
             </a:pPr>
             <a:r>
               <a:rPr lang="es-MX" sz="2400" b="1" dirty="0" smtClean="0"/>
-              <a:t>Participaci</a:t>
+              <a:t>Participación </a:t>
             </a:r>
             <a:r>
               <a:rPr lang="es-MX" sz="2400" b="1" dirty="0" smtClean="0"/>
-              <a:t>ón ciudadana</a:t>
-            </a:r>
-            <a:r>
-              <a:rPr lang="es-MX" sz="2400" b="1" dirty="0" smtClean="0"/>
-              <a:t>.</a:t>
-            </a:r>
+              <a:t>ciudadana (Redes sociales).</a:t>
+            </a:r>
+            <a:endParaRPr lang="es-MX" sz="2400" b="1" dirty="0" smtClean="0"/>
           </a:p>
           <a:p>
             <a:pPr marL="342900" indent="-342900">
@@ -3646,11 +3635,7 @@
             </a:pPr>
             <a:r>
               <a:rPr lang="es-MX" sz="2400" b="1" dirty="0" smtClean="0"/>
-              <a:t>GEOREFERENCIACI</a:t>
-            </a:r>
-            <a:r>
-              <a:rPr lang="es-MX" sz="2400" b="1" dirty="0" smtClean="0"/>
-              <a:t>ÓN.</a:t>
+              <a:t>GEOREFERENCIACIÓN.</a:t>
             </a:r>
           </a:p>
           <a:p>
@@ -3701,11 +3686,7 @@
             </a:pPr>
             <a:r>
               <a:rPr lang="es-MX" sz="2400" b="1" dirty="0" smtClean="0"/>
-              <a:t>N</a:t>
-            </a:r>
-            <a:r>
-              <a:rPr lang="es-MX" sz="2400" b="1" dirty="0" smtClean="0"/>
-              <a:t>OTICIAS DE INTERÉS.</a:t>
+              <a:t>NOTICIAS DE INTERÉS.</a:t>
             </a:r>
             <a:endParaRPr lang="es-CO" sz="2400" b="1" dirty="0"/>
           </a:p>

--- a/InsumosAgropecuarios.pptx
+++ b/InsumosAgropecuarios.pptx
@@ -297,7 +297,8 @@
           <a:p>
             <a:fld id="{8645F5F4-5F96-470A-B3DF-7CBE615CFF82}" type="datetimeFigureOut">
               <a:rPr lang="es-CO" smtClean="0"/>
-              <a:t>1/06/14</a:t>
+              <a:pPr/>
+              <a:t>01/06/2014</a:t>
             </a:fld>
             <a:endParaRPr lang="es-CO"/>
           </a:p>
@@ -339,7 +340,8 @@
           <a:p>
             <a:fld id="{A08CF031-B9CE-4114-B4B2-10F26177BA99}" type="slidenum">
               <a:rPr lang="es-CO" smtClean="0"/>
-              <a:t>‹#›</a:t>
+              <a:pPr/>
+              <a:t>‹Nº›</a:t>
             </a:fld>
             <a:endParaRPr lang="es-CO"/>
           </a:p>
@@ -348,7 +350,7 @@
     </p:spTree>
     <p:extLst>
       <p:ext uri="{BB962C8B-B14F-4D97-AF65-F5344CB8AC3E}">
-        <p14:creationId xmlns:p14="http://schemas.microsoft.com/office/powerpoint/2010/main" val="1428403730"/>
+        <p14:creationId xmlns:p14="http://schemas.microsoft.com/office/powerpoint/2010/main" xmlns="" val="1428403730"/>
       </p:ext>
     </p:extLst>
   </p:cSld>
@@ -467,7 +469,8 @@
           <a:p>
             <a:fld id="{8645F5F4-5F96-470A-B3DF-7CBE615CFF82}" type="datetimeFigureOut">
               <a:rPr lang="es-CO" smtClean="0"/>
-              <a:t>1/06/14</a:t>
+              <a:pPr/>
+              <a:t>01/06/2014</a:t>
             </a:fld>
             <a:endParaRPr lang="es-CO"/>
           </a:p>
@@ -509,7 +512,8 @@
           <a:p>
             <a:fld id="{A08CF031-B9CE-4114-B4B2-10F26177BA99}" type="slidenum">
               <a:rPr lang="es-CO" smtClean="0"/>
-              <a:t>‹#›</a:t>
+              <a:pPr/>
+              <a:t>‹Nº›</a:t>
             </a:fld>
             <a:endParaRPr lang="es-CO"/>
           </a:p>
@@ -518,7 +522,7 @@
     </p:spTree>
     <p:extLst>
       <p:ext uri="{BB962C8B-B14F-4D97-AF65-F5344CB8AC3E}">
-        <p14:creationId xmlns:p14="http://schemas.microsoft.com/office/powerpoint/2010/main" val="1841768899"/>
+        <p14:creationId xmlns:p14="http://schemas.microsoft.com/office/powerpoint/2010/main" xmlns="" val="1841768899"/>
       </p:ext>
     </p:extLst>
   </p:cSld>
@@ -647,7 +651,8 @@
           <a:p>
             <a:fld id="{8645F5F4-5F96-470A-B3DF-7CBE615CFF82}" type="datetimeFigureOut">
               <a:rPr lang="es-CO" smtClean="0"/>
-              <a:t>1/06/14</a:t>
+              <a:pPr/>
+              <a:t>01/06/2014</a:t>
             </a:fld>
             <a:endParaRPr lang="es-CO"/>
           </a:p>
@@ -689,7 +694,8 @@
           <a:p>
             <a:fld id="{A08CF031-B9CE-4114-B4B2-10F26177BA99}" type="slidenum">
               <a:rPr lang="es-CO" smtClean="0"/>
-              <a:t>‹#›</a:t>
+              <a:pPr/>
+              <a:t>‹Nº›</a:t>
             </a:fld>
             <a:endParaRPr lang="es-CO"/>
           </a:p>
@@ -698,7 +704,7 @@
     </p:spTree>
     <p:extLst>
       <p:ext uri="{BB962C8B-B14F-4D97-AF65-F5344CB8AC3E}">
-        <p14:creationId xmlns:p14="http://schemas.microsoft.com/office/powerpoint/2010/main" val="2646768842"/>
+        <p14:creationId xmlns:p14="http://schemas.microsoft.com/office/powerpoint/2010/main" xmlns="" val="2646768842"/>
       </p:ext>
     </p:extLst>
   </p:cSld>
@@ -817,7 +823,8 @@
           <a:p>
             <a:fld id="{8645F5F4-5F96-470A-B3DF-7CBE615CFF82}" type="datetimeFigureOut">
               <a:rPr lang="es-CO" smtClean="0"/>
-              <a:t>1/06/14</a:t>
+              <a:pPr/>
+              <a:t>01/06/2014</a:t>
             </a:fld>
             <a:endParaRPr lang="es-CO"/>
           </a:p>
@@ -859,7 +866,8 @@
           <a:p>
             <a:fld id="{A08CF031-B9CE-4114-B4B2-10F26177BA99}" type="slidenum">
               <a:rPr lang="es-CO" smtClean="0"/>
-              <a:t>‹#›</a:t>
+              <a:pPr/>
+              <a:t>‹Nº›</a:t>
             </a:fld>
             <a:endParaRPr lang="es-CO"/>
           </a:p>
@@ -868,7 +876,7 @@
     </p:spTree>
     <p:extLst>
       <p:ext uri="{BB962C8B-B14F-4D97-AF65-F5344CB8AC3E}">
-        <p14:creationId xmlns:p14="http://schemas.microsoft.com/office/powerpoint/2010/main" val="698930602"/>
+        <p14:creationId xmlns:p14="http://schemas.microsoft.com/office/powerpoint/2010/main" xmlns="" val="698930602"/>
       </p:ext>
     </p:extLst>
   </p:cSld>
@@ -1063,7 +1071,8 @@
           <a:p>
             <a:fld id="{8645F5F4-5F96-470A-B3DF-7CBE615CFF82}" type="datetimeFigureOut">
               <a:rPr lang="es-CO" smtClean="0"/>
-              <a:t>1/06/14</a:t>
+              <a:pPr/>
+              <a:t>01/06/2014</a:t>
             </a:fld>
             <a:endParaRPr lang="es-CO"/>
           </a:p>
@@ -1105,7 +1114,8 @@
           <a:p>
             <a:fld id="{A08CF031-B9CE-4114-B4B2-10F26177BA99}" type="slidenum">
               <a:rPr lang="es-CO" smtClean="0"/>
-              <a:t>‹#›</a:t>
+              <a:pPr/>
+              <a:t>‹Nº›</a:t>
             </a:fld>
             <a:endParaRPr lang="es-CO"/>
           </a:p>
@@ -1114,7 +1124,7 @@
     </p:spTree>
     <p:extLst>
       <p:ext uri="{BB962C8B-B14F-4D97-AF65-F5344CB8AC3E}">
-        <p14:creationId xmlns:p14="http://schemas.microsoft.com/office/powerpoint/2010/main" val="3869096786"/>
+        <p14:creationId xmlns:p14="http://schemas.microsoft.com/office/powerpoint/2010/main" xmlns="" val="3869096786"/>
       </p:ext>
     </p:extLst>
   </p:cSld>
@@ -1351,7 +1361,8 @@
           <a:p>
             <a:fld id="{8645F5F4-5F96-470A-B3DF-7CBE615CFF82}" type="datetimeFigureOut">
               <a:rPr lang="es-CO" smtClean="0"/>
-              <a:t>1/06/14</a:t>
+              <a:pPr/>
+              <a:t>01/06/2014</a:t>
             </a:fld>
             <a:endParaRPr lang="es-CO"/>
           </a:p>
@@ -1393,7 +1404,8 @@
           <a:p>
             <a:fld id="{A08CF031-B9CE-4114-B4B2-10F26177BA99}" type="slidenum">
               <a:rPr lang="es-CO" smtClean="0"/>
-              <a:t>‹#›</a:t>
+              <a:pPr/>
+              <a:t>‹Nº›</a:t>
             </a:fld>
             <a:endParaRPr lang="es-CO"/>
           </a:p>
@@ -1402,7 +1414,7 @@
     </p:spTree>
     <p:extLst>
       <p:ext uri="{BB962C8B-B14F-4D97-AF65-F5344CB8AC3E}">
-        <p14:creationId xmlns:p14="http://schemas.microsoft.com/office/powerpoint/2010/main" val="776360517"/>
+        <p14:creationId xmlns:p14="http://schemas.microsoft.com/office/powerpoint/2010/main" xmlns="" val="776360517"/>
       </p:ext>
     </p:extLst>
   </p:cSld>
@@ -1773,7 +1785,8 @@
           <a:p>
             <a:fld id="{8645F5F4-5F96-470A-B3DF-7CBE615CFF82}" type="datetimeFigureOut">
               <a:rPr lang="es-CO" smtClean="0"/>
-              <a:t>1/06/14</a:t>
+              <a:pPr/>
+              <a:t>01/06/2014</a:t>
             </a:fld>
             <a:endParaRPr lang="es-CO"/>
           </a:p>
@@ -1815,7 +1828,8 @@
           <a:p>
             <a:fld id="{A08CF031-B9CE-4114-B4B2-10F26177BA99}" type="slidenum">
               <a:rPr lang="es-CO" smtClean="0"/>
-              <a:t>‹#›</a:t>
+              <a:pPr/>
+              <a:t>‹Nº›</a:t>
             </a:fld>
             <a:endParaRPr lang="es-CO"/>
           </a:p>
@@ -1824,7 +1838,7 @@
     </p:spTree>
     <p:extLst>
       <p:ext uri="{BB962C8B-B14F-4D97-AF65-F5344CB8AC3E}">
-        <p14:creationId xmlns:p14="http://schemas.microsoft.com/office/powerpoint/2010/main" val="612593898"/>
+        <p14:creationId xmlns:p14="http://schemas.microsoft.com/office/powerpoint/2010/main" xmlns="" val="612593898"/>
       </p:ext>
     </p:extLst>
   </p:cSld>
@@ -1891,7 +1905,8 @@
           <a:p>
             <a:fld id="{8645F5F4-5F96-470A-B3DF-7CBE615CFF82}" type="datetimeFigureOut">
               <a:rPr lang="es-CO" smtClean="0"/>
-              <a:t>1/06/14</a:t>
+              <a:pPr/>
+              <a:t>01/06/2014</a:t>
             </a:fld>
             <a:endParaRPr lang="es-CO"/>
           </a:p>
@@ -1933,7 +1948,8 @@
           <a:p>
             <a:fld id="{A08CF031-B9CE-4114-B4B2-10F26177BA99}" type="slidenum">
               <a:rPr lang="es-CO" smtClean="0"/>
-              <a:t>‹#›</a:t>
+              <a:pPr/>
+              <a:t>‹Nº›</a:t>
             </a:fld>
             <a:endParaRPr lang="es-CO"/>
           </a:p>
@@ -1942,7 +1958,7 @@
     </p:spTree>
     <p:extLst>
       <p:ext uri="{BB962C8B-B14F-4D97-AF65-F5344CB8AC3E}">
-        <p14:creationId xmlns:p14="http://schemas.microsoft.com/office/powerpoint/2010/main" val="3412018709"/>
+        <p14:creationId xmlns:p14="http://schemas.microsoft.com/office/powerpoint/2010/main" xmlns="" val="3412018709"/>
       </p:ext>
     </p:extLst>
   </p:cSld>
@@ -1986,7 +2002,8 @@
           <a:p>
             <a:fld id="{8645F5F4-5F96-470A-B3DF-7CBE615CFF82}" type="datetimeFigureOut">
               <a:rPr lang="es-CO" smtClean="0"/>
-              <a:t>1/06/14</a:t>
+              <a:pPr/>
+              <a:t>01/06/2014</a:t>
             </a:fld>
             <a:endParaRPr lang="es-CO"/>
           </a:p>
@@ -2028,7 +2045,8 @@
           <a:p>
             <a:fld id="{A08CF031-B9CE-4114-B4B2-10F26177BA99}" type="slidenum">
               <a:rPr lang="es-CO" smtClean="0"/>
-              <a:t>‹#›</a:t>
+              <a:pPr/>
+              <a:t>‹Nº›</a:t>
             </a:fld>
             <a:endParaRPr lang="es-CO"/>
           </a:p>
@@ -2037,7 +2055,7 @@
     </p:spTree>
     <p:extLst>
       <p:ext uri="{BB962C8B-B14F-4D97-AF65-F5344CB8AC3E}">
-        <p14:creationId xmlns:p14="http://schemas.microsoft.com/office/powerpoint/2010/main" val="1059057552"/>
+        <p14:creationId xmlns:p14="http://schemas.microsoft.com/office/powerpoint/2010/main" xmlns="" val="1059057552"/>
       </p:ext>
     </p:extLst>
   </p:cSld>
@@ -2263,7 +2281,8 @@
           <a:p>
             <a:fld id="{8645F5F4-5F96-470A-B3DF-7CBE615CFF82}" type="datetimeFigureOut">
               <a:rPr lang="es-CO" smtClean="0"/>
-              <a:t>1/06/14</a:t>
+              <a:pPr/>
+              <a:t>01/06/2014</a:t>
             </a:fld>
             <a:endParaRPr lang="es-CO"/>
           </a:p>
@@ -2305,7 +2324,8 @@
           <a:p>
             <a:fld id="{A08CF031-B9CE-4114-B4B2-10F26177BA99}" type="slidenum">
               <a:rPr lang="es-CO" smtClean="0"/>
-              <a:t>‹#›</a:t>
+              <a:pPr/>
+              <a:t>‹Nº›</a:t>
             </a:fld>
             <a:endParaRPr lang="es-CO"/>
           </a:p>
@@ -2314,7 +2334,7 @@
     </p:spTree>
     <p:extLst>
       <p:ext uri="{BB962C8B-B14F-4D97-AF65-F5344CB8AC3E}">
-        <p14:creationId xmlns:p14="http://schemas.microsoft.com/office/powerpoint/2010/main" val="646777562"/>
+        <p14:creationId xmlns:p14="http://schemas.microsoft.com/office/powerpoint/2010/main" xmlns="" val="646777562"/>
       </p:ext>
     </p:extLst>
   </p:cSld>
@@ -2516,7 +2536,8 @@
           <a:p>
             <a:fld id="{8645F5F4-5F96-470A-B3DF-7CBE615CFF82}" type="datetimeFigureOut">
               <a:rPr lang="es-CO" smtClean="0"/>
-              <a:t>1/06/14</a:t>
+              <a:pPr/>
+              <a:t>01/06/2014</a:t>
             </a:fld>
             <a:endParaRPr lang="es-CO"/>
           </a:p>
@@ -2558,7 +2579,8 @@
           <a:p>
             <a:fld id="{A08CF031-B9CE-4114-B4B2-10F26177BA99}" type="slidenum">
               <a:rPr lang="es-CO" smtClean="0"/>
-              <a:t>‹#›</a:t>
+              <a:pPr/>
+              <a:t>‹Nº›</a:t>
             </a:fld>
             <a:endParaRPr lang="es-CO"/>
           </a:p>
@@ -2567,7 +2589,7 @@
     </p:spTree>
     <p:extLst>
       <p:ext uri="{BB962C8B-B14F-4D97-AF65-F5344CB8AC3E}">
-        <p14:creationId xmlns:p14="http://schemas.microsoft.com/office/powerpoint/2010/main" val="3270522028"/>
+        <p14:creationId xmlns:p14="http://schemas.microsoft.com/office/powerpoint/2010/main" xmlns="" val="3270522028"/>
       </p:ext>
     </p:extLst>
   </p:cSld>
@@ -2729,7 +2751,8 @@
           <a:p>
             <a:fld id="{8645F5F4-5F96-470A-B3DF-7CBE615CFF82}" type="datetimeFigureOut">
               <a:rPr lang="es-CO" smtClean="0"/>
-              <a:t>1/06/14</a:t>
+              <a:pPr/>
+              <a:t>01/06/2014</a:t>
             </a:fld>
             <a:endParaRPr lang="es-CO"/>
           </a:p>
@@ -2807,7 +2830,8 @@
           <a:p>
             <a:fld id="{A08CF031-B9CE-4114-B4B2-10F26177BA99}" type="slidenum">
               <a:rPr lang="es-CO" smtClean="0"/>
-              <a:t>‹#›</a:t>
+              <a:pPr/>
+              <a:t>‹Nº›</a:t>
             </a:fld>
             <a:endParaRPr lang="es-CO"/>
           </a:p>
@@ -2816,7 +2840,7 @@
     </p:spTree>
     <p:extLst>
       <p:ext uri="{BB962C8B-B14F-4D97-AF65-F5344CB8AC3E}">
-        <p14:creationId xmlns:p14="http://schemas.microsoft.com/office/powerpoint/2010/main" val="1708101263"/>
+        <p14:creationId xmlns:p14="http://schemas.microsoft.com/office/powerpoint/2010/main" xmlns="" val="1708101263"/>
       </p:ext>
     </p:extLst>
   </p:cSld>
@@ -3159,10 +3183,10 @@
           <p:nvPr/>
         </p:nvPicPr>
         <p:blipFill rotWithShape="1">
-          <a:blip r:embed="rId2">
+          <a:blip r:embed="rId2" cstate="print">
             <a:extLst>
               <a:ext uri="{28A0092B-C50C-407E-A947-70E740481C1C}">
-                <a14:useLocalDpi xmlns:a14="http://schemas.microsoft.com/office/drawing/2010/main" val="0"/>
+                <a14:useLocalDpi xmlns:a14="http://schemas.microsoft.com/office/drawing/2010/main" xmlns="" val="0"/>
               </a:ext>
             </a:extLst>
           </a:blip>
@@ -3180,7 +3204,7 @@
           <a:noFill/>
           <a:extLst>
             <a:ext uri="{909E8E84-426E-40dd-AFC4-6F175D3DCCD1}">
-              <a14:hiddenFill xmlns:a14="http://schemas.microsoft.com/office/drawing/2010/main">
+              <a14:hiddenFill xmlns:a14="http://schemas.microsoft.com/office/drawing/2010/main" xmlns="">
                 <a:solidFill>
                   <a:srgbClr val="FFFFFF"/>
                 </a:solidFill>
@@ -3198,10 +3222,10 @@
           <p:nvPr/>
         </p:nvPicPr>
         <p:blipFill>
-          <a:blip r:embed="rId3">
+          <a:blip r:embed="rId3" cstate="print">
             <a:extLst>
               <a:ext uri="{28A0092B-C50C-407E-A947-70E740481C1C}">
-                <a14:useLocalDpi xmlns:a14="http://schemas.microsoft.com/office/drawing/2010/main" val="0"/>
+                <a14:useLocalDpi xmlns:a14="http://schemas.microsoft.com/office/drawing/2010/main" xmlns="" val="0"/>
               </a:ext>
             </a:extLst>
           </a:blip>
@@ -3222,7 +3246,7 @@
     </p:spTree>
     <p:extLst>
       <p:ext uri="{BB962C8B-B14F-4D97-AF65-F5344CB8AC3E}">
-        <p14:creationId xmlns:p14="http://schemas.microsoft.com/office/powerpoint/2010/main" val="3634558193"/>
+        <p14:creationId xmlns:p14="http://schemas.microsoft.com/office/powerpoint/2010/main" xmlns="" val="3634558193"/>
       </p:ext>
     </p:extLst>
   </p:cSld>
@@ -3286,10 +3310,10 @@
           <p:nvPr/>
         </p:nvPicPr>
         <p:blipFill>
-          <a:blip r:embed="rId2">
+          <a:blip r:embed="rId2" cstate="print">
             <a:extLst>
               <a:ext uri="{28A0092B-C50C-407E-A947-70E740481C1C}">
-                <a14:useLocalDpi xmlns:a14="http://schemas.microsoft.com/office/drawing/2010/main" val="0"/>
+                <a14:useLocalDpi xmlns:a14="http://schemas.microsoft.com/office/drawing/2010/main" xmlns="" val="0"/>
               </a:ext>
             </a:extLst>
           </a:blip>
@@ -3310,7 +3334,7 @@
     </p:spTree>
     <p:extLst>
       <p:ext uri="{BB962C8B-B14F-4D97-AF65-F5344CB8AC3E}">
-        <p14:creationId xmlns:p14="http://schemas.microsoft.com/office/powerpoint/2010/main" val="3993334498"/>
+        <p14:creationId xmlns:p14="http://schemas.microsoft.com/office/powerpoint/2010/main" xmlns="" val="3993334498"/>
       </p:ext>
     </p:extLst>
   </p:cSld>
@@ -3482,7 +3506,7 @@
           <a:blip r:embed="rId2" cstate="print">
             <a:extLst>
               <a:ext uri="{28A0092B-C50C-407E-A947-70E740481C1C}">
-                <a14:useLocalDpi xmlns:a14="http://schemas.microsoft.com/office/drawing/2010/main" val="0"/>
+                <a14:useLocalDpi xmlns:a14="http://schemas.microsoft.com/office/drawing/2010/main" xmlns="" val="0"/>
               </a:ext>
             </a:extLst>
           </a:blip>
@@ -3513,7 +3537,7 @@
     </p:spTree>
     <p:extLst>
       <p:ext uri="{BB962C8B-B14F-4D97-AF65-F5344CB8AC3E}">
-        <p14:creationId xmlns:p14="http://schemas.microsoft.com/office/powerpoint/2010/main" val="2004169718"/>
+        <p14:creationId xmlns:p14="http://schemas.microsoft.com/office/powerpoint/2010/main" xmlns="" val="2004169718"/>
       </p:ext>
     </p:extLst>
   </p:cSld>
@@ -3552,7 +3576,7 @@
         </p:nvSpPr>
         <p:spPr>
           <a:xfrm>
-            <a:off x="457200" y="-27384"/>
+            <a:off x="467544" y="0"/>
             <a:ext cx="8229600" cy="1143000"/>
           </a:xfrm>
         </p:spPr>
@@ -3576,8 +3600,8 @@
         </p:nvSpPr>
         <p:spPr>
           <a:xfrm>
-            <a:off x="539552" y="1424965"/>
-            <a:ext cx="4104456" cy="4893647"/>
+            <a:off x="467544" y="1109057"/>
+            <a:ext cx="4104456" cy="5632311"/>
           </a:xfrm>
           <a:prstGeom prst="rect">
             <a:avLst/>
@@ -3613,13 +3637,22 @@
             </a:pPr>
             <a:r>
               <a:rPr lang="es-MX" sz="2400" b="1" dirty="0" smtClean="0"/>
-              <a:t>Participación </a:t>
-            </a:r>
-            <a:r>
-              <a:rPr lang="es-MX" sz="2400" b="1" dirty="0" smtClean="0"/>
-              <a:t>ciudadana (Redes sociales).</a:t>
-            </a:r>
+              <a:t>Participación ciudadana (Redes sociales).</a:t>
+            </a:r>
+          </a:p>
+          <a:p>
+            <a:pPr marL="342900" indent="-342900">
+              <a:buFont typeface="Arial"/>
+              <a:buChar char="•"/>
+            </a:pPr>
             <a:endParaRPr lang="es-MX" sz="2400" b="1" dirty="0" smtClean="0"/>
+          </a:p>
+          <a:p>
+            <a:pPr marL="342900" indent="-342900"/>
+            <a:r>
+              <a:rPr lang="es-MX" sz="2400" b="1" u="sng" dirty="0" smtClean="0"/>
+              <a:t>Adicional:</a:t>
+            </a:r>
           </a:p>
           <a:p>
             <a:pPr marL="342900" indent="-342900">
@@ -3701,10 +3734,10 @@
           <p:nvPr/>
         </p:nvPicPr>
         <p:blipFill>
-          <a:blip r:embed="rId2">
+          <a:blip r:embed="rId2" cstate="print">
             <a:extLst>
               <a:ext uri="{28A0092B-C50C-407E-A947-70E740481C1C}">
-                <a14:useLocalDpi xmlns:a14="http://schemas.microsoft.com/office/drawing/2010/main" val="0"/>
+                <a14:useLocalDpi xmlns:a14="http://schemas.microsoft.com/office/drawing/2010/main" xmlns="" val="0"/>
               </a:ext>
             </a:extLst>
           </a:blip>
@@ -3714,7 +3747,7 @@
         </p:blipFill>
         <p:spPr>
           <a:xfrm>
-            <a:off x="5436096" y="1340768"/>
+            <a:off x="5436096" y="1268760"/>
             <a:ext cx="3180725" cy="5301208"/>
           </a:xfrm>
           <a:prstGeom prst="rect">
@@ -3735,7 +3768,7 @@
     </p:spTree>
     <p:extLst>
       <p:ext uri="{BB962C8B-B14F-4D97-AF65-F5344CB8AC3E}">
-        <p14:creationId xmlns:p14="http://schemas.microsoft.com/office/powerpoint/2010/main" val="500029843"/>
+        <p14:creationId xmlns:p14="http://schemas.microsoft.com/office/powerpoint/2010/main" xmlns="" val="500029843"/>
       </p:ext>
     </p:extLst>
   </p:cSld>
@@ -3799,10 +3832,10 @@
           <p:nvPr/>
         </p:nvPicPr>
         <p:blipFill>
-          <a:blip r:embed="rId2">
+          <a:blip r:embed="rId2" cstate="print">
             <a:extLst>
               <a:ext uri="{28A0092B-C50C-407E-A947-70E740481C1C}">
-                <a14:useLocalDpi xmlns:a14="http://schemas.microsoft.com/office/drawing/2010/main" val="0"/>
+                <a14:useLocalDpi xmlns:a14="http://schemas.microsoft.com/office/drawing/2010/main" xmlns="" val="0"/>
               </a:ext>
             </a:extLst>
           </a:blip>
@@ -3823,7 +3856,7 @@
     </p:spTree>
     <p:extLst>
       <p:ext uri="{BB962C8B-B14F-4D97-AF65-F5344CB8AC3E}">
-        <p14:creationId xmlns:p14="http://schemas.microsoft.com/office/powerpoint/2010/main" val="1281571675"/>
+        <p14:creationId xmlns:p14="http://schemas.microsoft.com/office/powerpoint/2010/main" xmlns="" val="1281571675"/>
       </p:ext>
     </p:extLst>
   </p:cSld>
@@ -3889,10 +3922,10 @@
           <p:nvPr/>
         </p:nvPicPr>
         <p:blipFill>
-          <a:blip r:embed="rId2">
+          <a:blip r:embed="rId2" cstate="print">
             <a:extLst>
               <a:ext uri="{28A0092B-C50C-407E-A947-70E740481C1C}">
-                <a14:useLocalDpi xmlns:a14="http://schemas.microsoft.com/office/drawing/2010/main" val="0"/>
+                <a14:useLocalDpi xmlns:a14="http://schemas.microsoft.com/office/drawing/2010/main" xmlns="" val="0"/>
               </a:ext>
             </a:extLst>
           </a:blip>
@@ -3929,10 +3962,10 @@
           <p:nvPr/>
         </p:nvPicPr>
         <p:blipFill>
-          <a:blip r:embed="rId3">
+          <a:blip r:embed="rId3" cstate="print">
             <a:extLst>
               <a:ext uri="{28A0092B-C50C-407E-A947-70E740481C1C}">
-                <a14:useLocalDpi xmlns:a14="http://schemas.microsoft.com/office/drawing/2010/main" val="0"/>
+                <a14:useLocalDpi xmlns:a14="http://schemas.microsoft.com/office/drawing/2010/main" xmlns="" val="0"/>
               </a:ext>
             </a:extLst>
           </a:blip>
@@ -3963,7 +3996,7 @@
     </p:spTree>
     <p:extLst>
       <p:ext uri="{BB962C8B-B14F-4D97-AF65-F5344CB8AC3E}">
-        <p14:creationId xmlns:p14="http://schemas.microsoft.com/office/powerpoint/2010/main" val="1917169304"/>
+        <p14:creationId xmlns:p14="http://schemas.microsoft.com/office/powerpoint/2010/main" xmlns="" val="1917169304"/>
       </p:ext>
     </p:extLst>
   </p:cSld>
@@ -4032,10 +4065,10 @@
           <p:nvPr/>
         </p:nvPicPr>
         <p:blipFill>
-          <a:blip r:embed="rId2">
+          <a:blip r:embed="rId2" cstate="print">
             <a:extLst>
               <a:ext uri="{28A0092B-C50C-407E-A947-70E740481C1C}">
-                <a14:useLocalDpi xmlns:a14="http://schemas.microsoft.com/office/drawing/2010/main" val="0"/>
+                <a14:useLocalDpi xmlns:a14="http://schemas.microsoft.com/office/drawing/2010/main" xmlns="" val="0"/>
               </a:ext>
             </a:extLst>
           </a:blip>
@@ -4072,10 +4105,10 @@
           <p:nvPr/>
         </p:nvPicPr>
         <p:blipFill>
-          <a:blip r:embed="rId3">
+          <a:blip r:embed="rId3" cstate="print">
             <a:extLst>
               <a:ext uri="{28A0092B-C50C-407E-A947-70E740481C1C}">
-                <a14:useLocalDpi xmlns:a14="http://schemas.microsoft.com/office/drawing/2010/main" val="0"/>
+                <a14:useLocalDpi xmlns:a14="http://schemas.microsoft.com/office/drawing/2010/main" xmlns="" val="0"/>
               </a:ext>
             </a:extLst>
           </a:blip>
@@ -4106,7 +4139,7 @@
     </p:spTree>
     <p:extLst>
       <p:ext uri="{BB962C8B-B14F-4D97-AF65-F5344CB8AC3E}">
-        <p14:creationId xmlns:p14="http://schemas.microsoft.com/office/powerpoint/2010/main" val="3859499662"/>
+        <p14:creationId xmlns:p14="http://schemas.microsoft.com/office/powerpoint/2010/main" xmlns="" val="3859499662"/>
       </p:ext>
     </p:extLst>
   </p:cSld>
@@ -4307,10 +4340,10 @@
           <p:nvPr/>
         </p:nvPicPr>
         <p:blipFill>
-          <a:blip r:embed="rId2">
+          <a:blip r:embed="rId2" cstate="print">
             <a:extLst>
               <a:ext uri="{28A0092B-C50C-407E-A947-70E740481C1C}">
-                <a14:useLocalDpi xmlns:a14="http://schemas.microsoft.com/office/drawing/2010/main" val="0"/>
+                <a14:useLocalDpi xmlns:a14="http://schemas.microsoft.com/office/drawing/2010/main" xmlns="" val="0"/>
               </a:ext>
             </a:extLst>
           </a:blip>
@@ -4341,7 +4374,7 @@
     </p:spTree>
     <p:extLst>
       <p:ext uri="{BB962C8B-B14F-4D97-AF65-F5344CB8AC3E}">
-        <p14:creationId xmlns:p14="http://schemas.microsoft.com/office/powerpoint/2010/main" val="1321329527"/>
+        <p14:creationId xmlns:p14="http://schemas.microsoft.com/office/powerpoint/2010/main" xmlns="" val="1321329527"/>
       </p:ext>
     </p:extLst>
   </p:cSld>
@@ -4415,10 +4448,10 @@
           <p:nvPr/>
         </p:nvPicPr>
         <p:blipFill>
-          <a:blip r:embed="rId2">
+          <a:blip r:embed="rId2" cstate="print">
             <a:extLst>
               <a:ext uri="{28A0092B-C50C-407E-A947-70E740481C1C}">
-                <a14:useLocalDpi xmlns:a14="http://schemas.microsoft.com/office/drawing/2010/main" val="0"/>
+                <a14:useLocalDpi xmlns:a14="http://schemas.microsoft.com/office/drawing/2010/main" xmlns="" val="0"/>
               </a:ext>
             </a:extLst>
           </a:blip>
@@ -4455,10 +4488,10 @@
           <p:nvPr/>
         </p:nvPicPr>
         <p:blipFill>
-          <a:blip r:embed="rId3">
+          <a:blip r:embed="rId3" cstate="print">
             <a:extLst>
               <a:ext uri="{28A0092B-C50C-407E-A947-70E740481C1C}">
-                <a14:useLocalDpi xmlns:a14="http://schemas.microsoft.com/office/drawing/2010/main" val="0"/>
+                <a14:useLocalDpi xmlns:a14="http://schemas.microsoft.com/office/drawing/2010/main" xmlns="" val="0"/>
               </a:ext>
             </a:extLst>
           </a:blip>
@@ -4489,7 +4522,7 @@
     </p:spTree>
     <p:extLst>
       <p:ext uri="{BB962C8B-B14F-4D97-AF65-F5344CB8AC3E}">
-        <p14:creationId xmlns:p14="http://schemas.microsoft.com/office/powerpoint/2010/main" val="3859499662"/>
+        <p14:creationId xmlns:p14="http://schemas.microsoft.com/office/powerpoint/2010/main" xmlns="" val="3859499662"/>
       </p:ext>
     </p:extLst>
   </p:cSld>
@@ -4553,10 +4586,10 @@
           <p:nvPr/>
         </p:nvPicPr>
         <p:blipFill>
-          <a:blip r:embed="rId2">
+          <a:blip r:embed="rId2" cstate="print">
             <a:extLst>
               <a:ext uri="{28A0092B-C50C-407E-A947-70E740481C1C}">
-                <a14:useLocalDpi xmlns:a14="http://schemas.microsoft.com/office/drawing/2010/main" val="0"/>
+                <a14:useLocalDpi xmlns:a14="http://schemas.microsoft.com/office/drawing/2010/main" xmlns="" val="0"/>
               </a:ext>
             </a:extLst>
           </a:blip>
@@ -4587,7 +4620,7 @@
     </p:spTree>
     <p:extLst>
       <p:ext uri="{BB962C8B-B14F-4D97-AF65-F5344CB8AC3E}">
-        <p14:creationId xmlns:p14="http://schemas.microsoft.com/office/powerpoint/2010/main" val="46083792"/>
+        <p14:creationId xmlns:p14="http://schemas.microsoft.com/office/powerpoint/2010/main" xmlns="" val="46083792"/>
       </p:ext>
     </p:extLst>
   </p:cSld>
